--- a/Presentation.pptx
+++ b/Presentation.pptx
@@ -11,6 +11,8 @@
     <p:sldId id="259" r:id="rId5"/>
     <p:sldId id="260" r:id="rId6"/>
     <p:sldId id="261" r:id="rId7"/>
+    <p:sldId id="262" r:id="rId8"/>
+    <p:sldId id="263" r:id="rId9"/>
   </p:sldIdLst>
   <p:sldSz cx="12192000" cy="6858000"/>
   <p:notesSz cx="6858000" cy="9144000"/>
@@ -109,6 +111,11 @@
       </a:defRPr>
     </a:lvl9pPr>
   </p:defaultTextStyle>
+  <p:extLst>
+    <p:ext uri="{EFAFB233-063F-42B5-8137-9DF3F51BA10A}">
+      <p15:sldGuideLst xmlns:p15="http://schemas.microsoft.com/office/powerpoint/2012/main"/>
+    </p:ext>
+  </p:extLst>
 </p:presentation>
 </file>
 
@@ -259,7 +266,7 @@
           <a:p>
             <a:fld id="{965E66F3-7487-458C-9A23-E638FD09FB17}" type="datetimeFigureOut">
               <a:rPr lang="zh-CN" altLang="en-US" smtClean="0"/>
-              <a:t>2020/10/5</a:t>
+              <a:t>2020/10/6</a:t>
             </a:fld>
             <a:endParaRPr lang="zh-CN" altLang="en-US"/>
           </a:p>
@@ -457,7 +464,7 @@
           <a:p>
             <a:fld id="{965E66F3-7487-458C-9A23-E638FD09FB17}" type="datetimeFigureOut">
               <a:rPr lang="zh-CN" altLang="en-US" smtClean="0"/>
-              <a:t>2020/10/5</a:t>
+              <a:t>2020/10/6</a:t>
             </a:fld>
             <a:endParaRPr lang="zh-CN" altLang="en-US"/>
           </a:p>
@@ -665,7 +672,7 @@
           <a:p>
             <a:fld id="{965E66F3-7487-458C-9A23-E638FD09FB17}" type="datetimeFigureOut">
               <a:rPr lang="zh-CN" altLang="en-US" smtClean="0"/>
-              <a:t>2020/10/5</a:t>
+              <a:t>2020/10/6</a:t>
             </a:fld>
             <a:endParaRPr lang="zh-CN" altLang="en-US"/>
           </a:p>
@@ -863,7 +870,7 @@
           <a:p>
             <a:fld id="{965E66F3-7487-458C-9A23-E638FD09FB17}" type="datetimeFigureOut">
               <a:rPr lang="zh-CN" altLang="en-US" smtClean="0"/>
-              <a:t>2020/10/5</a:t>
+              <a:t>2020/10/6</a:t>
             </a:fld>
             <a:endParaRPr lang="zh-CN" altLang="en-US"/>
           </a:p>
@@ -1138,7 +1145,7 @@
           <a:p>
             <a:fld id="{965E66F3-7487-458C-9A23-E638FD09FB17}" type="datetimeFigureOut">
               <a:rPr lang="zh-CN" altLang="en-US" smtClean="0"/>
-              <a:t>2020/10/5</a:t>
+              <a:t>2020/10/6</a:t>
             </a:fld>
             <a:endParaRPr lang="zh-CN" altLang="en-US"/>
           </a:p>
@@ -1403,7 +1410,7 @@
           <a:p>
             <a:fld id="{965E66F3-7487-458C-9A23-E638FD09FB17}" type="datetimeFigureOut">
               <a:rPr lang="zh-CN" altLang="en-US" smtClean="0"/>
-              <a:t>2020/10/5</a:t>
+              <a:t>2020/10/6</a:t>
             </a:fld>
             <a:endParaRPr lang="zh-CN" altLang="en-US"/>
           </a:p>
@@ -1815,7 +1822,7 @@
           <a:p>
             <a:fld id="{965E66F3-7487-458C-9A23-E638FD09FB17}" type="datetimeFigureOut">
               <a:rPr lang="zh-CN" altLang="en-US" smtClean="0"/>
-              <a:t>2020/10/5</a:t>
+              <a:t>2020/10/6</a:t>
             </a:fld>
             <a:endParaRPr lang="zh-CN" altLang="en-US"/>
           </a:p>
@@ -1956,7 +1963,7 @@
           <a:p>
             <a:fld id="{965E66F3-7487-458C-9A23-E638FD09FB17}" type="datetimeFigureOut">
               <a:rPr lang="zh-CN" altLang="en-US" smtClean="0"/>
-              <a:t>2020/10/5</a:t>
+              <a:t>2020/10/6</a:t>
             </a:fld>
             <a:endParaRPr lang="zh-CN" altLang="en-US"/>
           </a:p>
@@ -2069,7 +2076,7 @@
           <a:p>
             <a:fld id="{965E66F3-7487-458C-9A23-E638FD09FB17}" type="datetimeFigureOut">
               <a:rPr lang="zh-CN" altLang="en-US" smtClean="0"/>
-              <a:t>2020/10/5</a:t>
+              <a:t>2020/10/6</a:t>
             </a:fld>
             <a:endParaRPr lang="zh-CN" altLang="en-US"/>
           </a:p>
@@ -2380,7 +2387,7 @@
           <a:p>
             <a:fld id="{965E66F3-7487-458C-9A23-E638FD09FB17}" type="datetimeFigureOut">
               <a:rPr lang="zh-CN" altLang="en-US" smtClean="0"/>
-              <a:t>2020/10/5</a:t>
+              <a:t>2020/10/6</a:t>
             </a:fld>
             <a:endParaRPr lang="zh-CN" altLang="en-US"/>
           </a:p>
@@ -2668,7 +2675,7 @@
           <a:p>
             <a:fld id="{965E66F3-7487-458C-9A23-E638FD09FB17}" type="datetimeFigureOut">
               <a:rPr lang="zh-CN" altLang="en-US" smtClean="0"/>
-              <a:t>2020/10/5</a:t>
+              <a:t>2020/10/6</a:t>
             </a:fld>
             <a:endParaRPr lang="zh-CN" altLang="en-US"/>
           </a:p>
@@ -2909,7 +2916,7 @@
           <a:p>
             <a:fld id="{965E66F3-7487-458C-9A23-E638FD09FB17}" type="datetimeFigureOut">
               <a:rPr lang="zh-CN" altLang="en-US" smtClean="0"/>
-              <a:t>2020/10/5</a:t>
+              <a:t>2020/10/6</a:t>
             </a:fld>
             <a:endParaRPr lang="zh-CN" altLang="en-US"/>
           </a:p>
@@ -4057,6 +4064,47 @@
             </a:r>
           </a:p>
           <a:p>
+            <a:pPr lvl="1"/>
+            <a:r>
+              <a:rPr lang="en-US" altLang="zh-CN" dirty="0"/>
+              <a:t>Input layer nodes: </a:t>
+            </a:r>
+            <a:r>
+              <a:rPr lang="en-US" altLang="zh-CN" dirty="0" err="1"/>
+              <a:t>sizeW</a:t>
+            </a:r>
+            <a:r>
+              <a:rPr lang="en-US" altLang="zh-CN" dirty="0"/>
+              <a:t> * </a:t>
+            </a:r>
+            <a:r>
+              <a:rPr lang="en-US" altLang="zh-CN" dirty="0" err="1"/>
+              <a:t>sizeH</a:t>
+            </a:r>
+            <a:r>
+              <a:rPr lang="en-US" altLang="zh-CN" dirty="0"/>
+              <a:t> * 3(400*300*3) </a:t>
+            </a:r>
+          </a:p>
+          <a:p>
+            <a:pPr lvl="1"/>
+            <a:r>
+              <a:rPr lang="en-US" altLang="zh-CN" dirty="0"/>
+              <a:t>2 Hidden layers nodes: 84,50</a:t>
+            </a:r>
+          </a:p>
+          <a:p>
+            <a:pPr lvl="1"/>
+            <a:r>
+              <a:rPr lang="en-US" altLang="zh-CN" dirty="0"/>
+              <a:t>Output layer: 3</a:t>
+            </a:r>
+          </a:p>
+          <a:p>
+            <a:pPr lvl="1"/>
+            <a:endParaRPr lang="en-US" altLang="zh-CN" dirty="0"/>
+          </a:p>
+          <a:p>
             <a:endParaRPr lang="zh-CN" altLang="en-US" dirty="0"/>
           </a:p>
         </p:txBody>
@@ -4065,6 +4113,186 @@
     <p:extLst>
       <p:ext uri="{BB962C8B-B14F-4D97-AF65-F5344CB8AC3E}">
         <p14:creationId xmlns:p14="http://schemas.microsoft.com/office/powerpoint/2010/main" val="4183274119"/>
+      </p:ext>
+    </p:extLst>
+  </p:cSld>
+  <p:clrMapOvr>
+    <a:masterClrMapping/>
+  </p:clrMapOvr>
+</p:sld>
+</file>
+
+<file path=ppt/slides/slide7.xml><?xml version="1.0" encoding="utf-8"?>
+<p:sld xmlns:a="http://schemas.openxmlformats.org/drawingml/2006/main" xmlns:r="http://schemas.openxmlformats.org/officeDocument/2006/relationships" xmlns:p="http://schemas.openxmlformats.org/presentationml/2006/main">
+  <p:cSld>
+    <p:spTree>
+      <p:nvGrpSpPr>
+        <p:cNvPr id="1" name=""/>
+        <p:cNvGrpSpPr/>
+        <p:nvPr/>
+      </p:nvGrpSpPr>
+      <p:grpSpPr>
+        <a:xfrm>
+          <a:off x="0" y="0"/>
+          <a:ext cx="0" cy="0"/>
+          <a:chOff x="0" y="0"/>
+          <a:chExt cx="0" cy="0"/>
+        </a:xfrm>
+      </p:grpSpPr>
+      <p:sp>
+        <p:nvSpPr>
+          <p:cNvPr id="2" name="标题 1">
+            <a:extLst>
+              <a:ext uri="{FF2B5EF4-FFF2-40B4-BE49-F238E27FC236}">
+                <a16:creationId xmlns:a16="http://schemas.microsoft.com/office/drawing/2014/main" id="{DEE1DBF0-7540-4E94-B0A7-AF4ACA9F74A9}"/>
+              </a:ext>
+            </a:extLst>
+          </p:cNvPr>
+          <p:cNvSpPr>
+            <a:spLocks noGrp="1"/>
+          </p:cNvSpPr>
+          <p:nvPr>
+            <p:ph type="title"/>
+          </p:nvPr>
+        </p:nvSpPr>
+        <p:spPr/>
+        <p:txBody>
+          <a:bodyPr/>
+          <a:lstStyle/>
+          <a:p>
+            <a:r>
+              <a:rPr lang="en-US" altLang="zh-CN" dirty="0"/>
+              <a:t>Algorithm and Method</a:t>
+            </a:r>
+            <a:endParaRPr lang="zh-CN" altLang="en-US" dirty="0"/>
+          </a:p>
+        </p:txBody>
+      </p:sp>
+      <p:sp>
+        <p:nvSpPr>
+          <p:cNvPr id="3" name="内容占位符 2">
+            <a:extLst>
+              <a:ext uri="{FF2B5EF4-FFF2-40B4-BE49-F238E27FC236}">
+                <a16:creationId xmlns:a16="http://schemas.microsoft.com/office/drawing/2014/main" id="{E91BBA74-5EB7-4309-8C0E-6B7C3E345F1B}"/>
+              </a:ext>
+            </a:extLst>
+          </p:cNvPr>
+          <p:cNvSpPr>
+            <a:spLocks noGrp="1"/>
+          </p:cNvSpPr>
+          <p:nvPr>
+            <p:ph idx="1"/>
+          </p:nvPr>
+        </p:nvSpPr>
+        <p:spPr/>
+        <p:txBody>
+          <a:bodyPr/>
+          <a:lstStyle/>
+          <a:p>
+            <a:r>
+              <a:rPr lang="en-US" altLang="zh-CN" dirty="0"/>
+              <a:t>Convolutional Neural Network(CNN)</a:t>
+            </a:r>
+          </a:p>
+          <a:p>
+            <a:endParaRPr lang="zh-CN" altLang="en-US" dirty="0"/>
+          </a:p>
+        </p:txBody>
+      </p:sp>
+    </p:spTree>
+    <p:extLst>
+      <p:ext uri="{BB962C8B-B14F-4D97-AF65-F5344CB8AC3E}">
+        <p14:creationId xmlns:p14="http://schemas.microsoft.com/office/powerpoint/2010/main" val="442447595"/>
+      </p:ext>
+    </p:extLst>
+  </p:cSld>
+  <p:clrMapOvr>
+    <a:masterClrMapping/>
+  </p:clrMapOvr>
+</p:sld>
+</file>
+
+<file path=ppt/slides/slide8.xml><?xml version="1.0" encoding="utf-8"?>
+<p:sld xmlns:a="http://schemas.openxmlformats.org/drawingml/2006/main" xmlns:r="http://schemas.openxmlformats.org/officeDocument/2006/relationships" xmlns:p="http://schemas.openxmlformats.org/presentationml/2006/main">
+  <p:cSld>
+    <p:spTree>
+      <p:nvGrpSpPr>
+        <p:cNvPr id="1" name=""/>
+        <p:cNvGrpSpPr/>
+        <p:nvPr/>
+      </p:nvGrpSpPr>
+      <p:grpSpPr>
+        <a:xfrm>
+          <a:off x="0" y="0"/>
+          <a:ext cx="0" cy="0"/>
+          <a:chOff x="0" y="0"/>
+          <a:chExt cx="0" cy="0"/>
+        </a:xfrm>
+      </p:grpSpPr>
+      <p:sp>
+        <p:nvSpPr>
+          <p:cNvPr id="2" name="标题 1">
+            <a:extLst>
+              <a:ext uri="{FF2B5EF4-FFF2-40B4-BE49-F238E27FC236}">
+                <a16:creationId xmlns:a16="http://schemas.microsoft.com/office/drawing/2014/main" id="{5278763C-2CB0-4E79-AFFB-C70117BF8C65}"/>
+              </a:ext>
+            </a:extLst>
+          </p:cNvPr>
+          <p:cNvSpPr>
+            <a:spLocks noGrp="1"/>
+          </p:cNvSpPr>
+          <p:nvPr>
+            <p:ph type="title"/>
+          </p:nvPr>
+        </p:nvSpPr>
+        <p:spPr/>
+        <p:txBody>
+          <a:bodyPr/>
+          <a:lstStyle/>
+          <a:p>
+            <a:r>
+              <a:rPr lang="en-US" altLang="zh-CN" dirty="0"/>
+              <a:t>Algorithm and Method</a:t>
+            </a:r>
+            <a:endParaRPr lang="zh-CN" altLang="en-US" dirty="0"/>
+          </a:p>
+        </p:txBody>
+      </p:sp>
+      <p:sp>
+        <p:nvSpPr>
+          <p:cNvPr id="3" name="内容占位符 2">
+            <a:extLst>
+              <a:ext uri="{FF2B5EF4-FFF2-40B4-BE49-F238E27FC236}">
+                <a16:creationId xmlns:a16="http://schemas.microsoft.com/office/drawing/2014/main" id="{2B97ECA2-D628-4CB1-BCD9-FD781E0823D0}"/>
+              </a:ext>
+            </a:extLst>
+          </p:cNvPr>
+          <p:cNvSpPr>
+            <a:spLocks noGrp="1"/>
+          </p:cNvSpPr>
+          <p:nvPr>
+            <p:ph idx="1"/>
+          </p:nvPr>
+        </p:nvSpPr>
+        <p:spPr/>
+        <p:txBody>
+          <a:bodyPr/>
+          <a:lstStyle/>
+          <a:p>
+            <a:r>
+              <a:rPr lang="en-US" altLang="zh-CN" dirty="0"/>
+              <a:t>Detectron2</a:t>
+            </a:r>
+          </a:p>
+          <a:p>
+            <a:endParaRPr lang="zh-CN" altLang="en-US" dirty="0"/>
+          </a:p>
+        </p:txBody>
+      </p:sp>
+    </p:spTree>
+    <p:extLst>
+      <p:ext uri="{BB962C8B-B14F-4D97-AF65-F5344CB8AC3E}">
+        <p14:creationId xmlns:p14="http://schemas.microsoft.com/office/powerpoint/2010/main" val="3276640250"/>
       </p:ext>
     </p:extLst>
   </p:cSld>

--- a/Presentation.pptx
+++ b/Presentation.pptx
@@ -13,6 +13,7 @@
     <p:sldId id="261" r:id="rId7"/>
     <p:sldId id="262" r:id="rId8"/>
     <p:sldId id="263" r:id="rId9"/>
+    <p:sldId id="264" r:id="rId10"/>
   </p:sldIdLst>
   <p:sldSz cx="12192000" cy="6858000"/>
   <p:notesSz cx="6858000" cy="9144000"/>
@@ -4285,14 +4286,143 @@
             </a:r>
           </a:p>
           <a:p>
+            <a:pPr lvl="1"/>
+            <a:r>
+              <a:rPr lang="en-US" altLang="zh-CN" dirty="0"/>
+              <a:t>It trains much faster</a:t>
+            </a:r>
+          </a:p>
+          <a:p>
+            <a:pPr lvl="1"/>
+            <a:r>
+              <a:rPr lang="en-US" altLang="zh-CN" dirty="0" err="1"/>
+              <a:t>Colab</a:t>
+            </a:r>
+            <a:r>
+              <a:rPr lang="en-US" altLang="zh-CN" dirty="0"/>
+              <a:t> &amp; Tutorial</a:t>
+            </a:r>
+          </a:p>
+          <a:p>
+            <a:pPr lvl="1"/>
             <a:endParaRPr lang="zh-CN" altLang="en-US" dirty="0"/>
           </a:p>
         </p:txBody>
       </p:sp>
+      <p:pic>
+        <p:nvPicPr>
+          <p:cNvPr id="5" name="图片 4">
+            <a:extLst>
+              <a:ext uri="{FF2B5EF4-FFF2-40B4-BE49-F238E27FC236}">
+                <a16:creationId xmlns:a16="http://schemas.microsoft.com/office/drawing/2014/main" id="{71721433-C284-4B6C-9013-EB14CF7191AF}"/>
+              </a:ext>
+            </a:extLst>
+          </p:cNvPr>
+          <p:cNvPicPr>
+            <a:picLocks noChangeAspect="1"/>
+          </p:cNvPicPr>
+          <p:nvPr/>
+        </p:nvPicPr>
+        <p:blipFill>
+          <a:blip r:embed="rId2"/>
+          <a:stretch>
+            <a:fillRect/>
+          </a:stretch>
+        </p:blipFill>
+        <p:spPr>
+          <a:xfrm>
+            <a:off x="6096000" y="1690688"/>
+            <a:ext cx="4762913" cy="3307367"/>
+          </a:xfrm>
+          <a:prstGeom prst="rect">
+            <a:avLst/>
+          </a:prstGeom>
+        </p:spPr>
+      </p:pic>
     </p:spTree>
     <p:extLst>
       <p:ext uri="{BB962C8B-B14F-4D97-AF65-F5344CB8AC3E}">
         <p14:creationId xmlns:p14="http://schemas.microsoft.com/office/powerpoint/2010/main" val="3276640250"/>
+      </p:ext>
+    </p:extLst>
+  </p:cSld>
+  <p:clrMapOvr>
+    <a:masterClrMapping/>
+  </p:clrMapOvr>
+</p:sld>
+</file>
+
+<file path=ppt/slides/slide9.xml><?xml version="1.0" encoding="utf-8"?>
+<p:sld xmlns:a="http://schemas.openxmlformats.org/drawingml/2006/main" xmlns:r="http://schemas.openxmlformats.org/officeDocument/2006/relationships" xmlns:p="http://schemas.openxmlformats.org/presentationml/2006/main">
+  <p:cSld>
+    <p:spTree>
+      <p:nvGrpSpPr>
+        <p:cNvPr id="1" name=""/>
+        <p:cNvGrpSpPr/>
+        <p:nvPr/>
+      </p:nvGrpSpPr>
+      <p:grpSpPr>
+        <a:xfrm>
+          <a:off x="0" y="0"/>
+          <a:ext cx="0" cy="0"/>
+          <a:chOff x="0" y="0"/>
+          <a:chExt cx="0" cy="0"/>
+        </a:xfrm>
+      </p:grpSpPr>
+      <p:sp>
+        <p:nvSpPr>
+          <p:cNvPr id="2" name="标题 1">
+            <a:extLst>
+              <a:ext uri="{FF2B5EF4-FFF2-40B4-BE49-F238E27FC236}">
+                <a16:creationId xmlns:a16="http://schemas.microsoft.com/office/drawing/2014/main" id="{AC6DBFA2-C6AE-4EBE-9692-155AE06A949E}"/>
+              </a:ext>
+            </a:extLst>
+          </p:cNvPr>
+          <p:cNvSpPr>
+            <a:spLocks noGrp="1"/>
+          </p:cNvSpPr>
+          <p:nvPr>
+            <p:ph type="title"/>
+          </p:nvPr>
+        </p:nvSpPr>
+        <p:spPr/>
+        <p:txBody>
+          <a:bodyPr/>
+          <a:lstStyle/>
+          <a:p>
+            <a:endParaRPr lang="zh-CN" altLang="en-US"/>
+          </a:p>
+        </p:txBody>
+      </p:sp>
+      <p:sp>
+        <p:nvSpPr>
+          <p:cNvPr id="3" name="内容占位符 2">
+            <a:extLst>
+              <a:ext uri="{FF2B5EF4-FFF2-40B4-BE49-F238E27FC236}">
+                <a16:creationId xmlns:a16="http://schemas.microsoft.com/office/drawing/2014/main" id="{E8BDAC91-6B65-4913-8772-F852902B2D1E}"/>
+              </a:ext>
+            </a:extLst>
+          </p:cNvPr>
+          <p:cNvSpPr>
+            <a:spLocks noGrp="1"/>
+          </p:cNvSpPr>
+          <p:nvPr>
+            <p:ph idx="1"/>
+          </p:nvPr>
+        </p:nvSpPr>
+        <p:spPr/>
+        <p:txBody>
+          <a:bodyPr/>
+          <a:lstStyle/>
+          <a:p>
+            <a:endParaRPr lang="zh-CN" altLang="en-US"/>
+          </a:p>
+        </p:txBody>
+      </p:sp>
+    </p:spTree>
+    <p:extLst>
+      <p:ext uri="{BB962C8B-B14F-4D97-AF65-F5344CB8AC3E}">
+        <p14:creationId xmlns:p14="http://schemas.microsoft.com/office/powerpoint/2010/main" val="548354463"/>
       </p:ext>
     </p:extLst>
   </p:cSld>
